--- a/PPT/第5章 日志.pptx
+++ b/PPT/第5章 日志.pptx
@@ -9,8 +9,9 @@
     <p:sldId id="258" r:id="rId3"/>
     <p:sldId id="261" r:id="rId4"/>
     <p:sldId id="260" r:id="rId5"/>
-    <p:sldId id="259" r:id="rId6"/>
-    <p:sldId id="257" r:id="rId7"/>
+    <p:sldId id="262" r:id="rId6"/>
+    <p:sldId id="259" r:id="rId7"/>
+    <p:sldId id="257" r:id="rId8"/>
   </p:sldIdLst>
   <p:sldSz cx="12192000" cy="6858000"/>
   <p:notesSz cx="6858000" cy="9144000"/>
@@ -109,6 +110,11 @@
       </a:defRPr>
     </a:lvl9pPr>
   </p:defaultTextStyle>
+  <p:extLst>
+    <p:ext uri="{EFAFB233-063F-42B5-8137-9DF3F51BA10A}">
+      <p15:sldGuideLst xmlns:p15="http://schemas.microsoft.com/office/powerpoint/2012/main"/>
+    </p:ext>
+  </p:extLst>
 </p:presentation>
 </file>
 
@@ -834,7 +840,7 @@
           <a:p>
             <a:fld id="{D250790C-5A2E-4E8F-BE8D-1A1F5E20209E}" type="datetimeFigureOut">
               <a:rPr lang="zh-CN" altLang="en-US" smtClean="0"/>
-              <a:t>2016/7/9</a:t>
+              <a:t>2016/7/18</a:t>
             </a:fld>
             <a:endParaRPr lang="zh-CN" altLang="en-US"/>
           </a:p>
@@ -1085,7 +1091,7 @@
           <a:p>
             <a:fld id="{D250790C-5A2E-4E8F-BE8D-1A1F5E20209E}" type="datetimeFigureOut">
               <a:rPr lang="zh-CN" altLang="en-US" smtClean="0"/>
-              <a:t>2016/7/9</a:t>
+              <a:t>2016/7/18</a:t>
             </a:fld>
             <a:endParaRPr lang="zh-CN" altLang="en-US"/>
           </a:p>
@@ -1399,7 +1405,7 @@
           <a:p>
             <a:fld id="{D250790C-5A2E-4E8F-BE8D-1A1F5E20209E}" type="datetimeFigureOut">
               <a:rPr lang="zh-CN" altLang="en-US" smtClean="0"/>
-              <a:t>2016/7/9</a:t>
+              <a:t>2016/7/18</a:t>
             </a:fld>
             <a:endParaRPr lang="zh-CN" altLang="en-US"/>
           </a:p>
@@ -1740,7 +1746,7 @@
           <a:p>
             <a:fld id="{D250790C-5A2E-4E8F-BE8D-1A1F5E20209E}" type="datetimeFigureOut">
               <a:rPr lang="zh-CN" altLang="en-US" smtClean="0"/>
-              <a:t>2016/7/9</a:t>
+              <a:t>2016/7/18</a:t>
             </a:fld>
             <a:endParaRPr lang="zh-CN" altLang="en-US"/>
           </a:p>
@@ -2054,7 +2060,7 @@
           <a:p>
             <a:fld id="{D250790C-5A2E-4E8F-BE8D-1A1F5E20209E}" type="datetimeFigureOut">
               <a:rPr lang="zh-CN" altLang="en-US" smtClean="0"/>
-              <a:t>2016/7/9</a:t>
+              <a:t>2016/7/18</a:t>
             </a:fld>
             <a:endParaRPr lang="zh-CN" altLang="en-US"/>
           </a:p>
@@ -2447,7 +2453,7 @@
           <a:p>
             <a:fld id="{D250790C-5A2E-4E8F-BE8D-1A1F5E20209E}" type="datetimeFigureOut">
               <a:rPr lang="zh-CN" altLang="en-US" smtClean="0"/>
-              <a:t>2016/7/9</a:t>
+              <a:t>2016/7/18</a:t>
             </a:fld>
             <a:endParaRPr lang="zh-CN" altLang="en-US"/>
           </a:p>
@@ -2617,7 +2623,7 @@
           <a:p>
             <a:fld id="{D250790C-5A2E-4E8F-BE8D-1A1F5E20209E}" type="datetimeFigureOut">
               <a:rPr lang="zh-CN" altLang="en-US" smtClean="0"/>
-              <a:t>2016/7/9</a:t>
+              <a:t>2016/7/18</a:t>
             </a:fld>
             <a:endParaRPr lang="zh-CN" altLang="en-US"/>
           </a:p>
@@ -2797,7 +2803,7 @@
           <a:p>
             <a:fld id="{D250790C-5A2E-4E8F-BE8D-1A1F5E20209E}" type="datetimeFigureOut">
               <a:rPr lang="zh-CN" altLang="en-US" smtClean="0"/>
-              <a:t>2016/7/9</a:t>
+              <a:t>2016/7/18</a:t>
             </a:fld>
             <a:endParaRPr lang="zh-CN" altLang="en-US"/>
           </a:p>
@@ -2973,7 +2979,7 @@
           <a:p>
             <a:fld id="{D250790C-5A2E-4E8F-BE8D-1A1F5E20209E}" type="datetimeFigureOut">
               <a:rPr lang="zh-CN" altLang="en-US" smtClean="0"/>
-              <a:t>2016/7/9</a:t>
+              <a:t>2016/7/18</a:t>
             </a:fld>
             <a:endParaRPr lang="zh-CN" altLang="en-US"/>
           </a:p>
@@ -3220,7 +3226,7 @@
           <a:p>
             <a:fld id="{D250790C-5A2E-4E8F-BE8D-1A1F5E20209E}" type="datetimeFigureOut">
               <a:rPr lang="zh-CN" altLang="en-US" smtClean="0"/>
-              <a:t>2016/7/9</a:t>
+              <a:t>2016/7/18</a:t>
             </a:fld>
             <a:endParaRPr lang="zh-CN" altLang="en-US"/>
           </a:p>
@@ -3452,7 +3458,7 @@
           <a:p>
             <a:fld id="{D250790C-5A2E-4E8F-BE8D-1A1F5E20209E}" type="datetimeFigureOut">
               <a:rPr lang="zh-CN" altLang="en-US" smtClean="0"/>
-              <a:t>2016/7/9</a:t>
+              <a:t>2016/7/18</a:t>
             </a:fld>
             <a:endParaRPr lang="zh-CN" altLang="en-US"/>
           </a:p>
@@ -3826,7 +3832,7 @@
           <a:p>
             <a:fld id="{D250790C-5A2E-4E8F-BE8D-1A1F5E20209E}" type="datetimeFigureOut">
               <a:rPr lang="zh-CN" altLang="en-US" smtClean="0"/>
-              <a:t>2016/7/9</a:t>
+              <a:t>2016/7/18</a:t>
             </a:fld>
             <a:endParaRPr lang="zh-CN" altLang="en-US"/>
           </a:p>
@@ -3949,7 +3955,7 @@
           <a:p>
             <a:fld id="{D250790C-5A2E-4E8F-BE8D-1A1F5E20209E}" type="datetimeFigureOut">
               <a:rPr lang="zh-CN" altLang="en-US" smtClean="0"/>
-              <a:t>2016/7/9</a:t>
+              <a:t>2016/7/18</a:t>
             </a:fld>
             <a:endParaRPr lang="zh-CN" altLang="en-US"/>
           </a:p>
@@ -4044,7 +4050,7 @@
           <a:p>
             <a:fld id="{D250790C-5A2E-4E8F-BE8D-1A1F5E20209E}" type="datetimeFigureOut">
               <a:rPr lang="zh-CN" altLang="en-US" smtClean="0"/>
-              <a:t>2016/7/9</a:t>
+              <a:t>2016/7/18</a:t>
             </a:fld>
             <a:endParaRPr lang="zh-CN" altLang="en-US"/>
           </a:p>
@@ -4299,7 +4305,7 @@
           <a:p>
             <a:fld id="{D250790C-5A2E-4E8F-BE8D-1A1F5E20209E}" type="datetimeFigureOut">
               <a:rPr lang="zh-CN" altLang="en-US" smtClean="0"/>
-              <a:t>2016/7/9</a:t>
+              <a:t>2016/7/18</a:t>
             </a:fld>
             <a:endParaRPr lang="zh-CN" altLang="en-US"/>
           </a:p>
@@ -4562,7 +4568,7 @@
           <a:p>
             <a:fld id="{D250790C-5A2E-4E8F-BE8D-1A1F5E20209E}" type="datetimeFigureOut">
               <a:rPr lang="zh-CN" altLang="en-US" smtClean="0"/>
-              <a:t>2016/7/9</a:t>
+              <a:t>2016/7/18</a:t>
             </a:fld>
             <a:endParaRPr lang="zh-CN" altLang="en-US"/>
           </a:p>
@@ -5305,7 +5311,7 @@
           <a:p>
             <a:fld id="{D250790C-5A2E-4E8F-BE8D-1A1F5E20209E}" type="datetimeFigureOut">
               <a:rPr lang="zh-CN" altLang="en-US" smtClean="0"/>
-              <a:t>2016/7/9</a:t>
+              <a:t>2016/7/18</a:t>
             </a:fld>
             <a:endParaRPr lang="zh-CN" altLang="en-US"/>
           </a:p>
@@ -6409,7 +6415,27 @@
               <a:rPr lang="zh-CN" altLang="en-US" dirty="0" smtClean="0"/>
               <a:t>实现</a:t>
             </a:r>
-            <a:endParaRPr lang="en-US" altLang="zh-CN" dirty="0" smtClean="0"/>
+            <a:r>
+              <a:rPr lang="en-US" altLang="zh-CN" dirty="0" smtClean="0"/>
+              <a:t>,</a:t>
+            </a:r>
+            <a:r>
+              <a:rPr lang="zh-CN" altLang="en-US" dirty="0" smtClean="0">
+                <a:solidFill>
+                  <a:srgbClr val="00B050"/>
+                </a:solidFill>
+              </a:rPr>
+              <a:t>直接在源代码层面删除日志</a:t>
+            </a:r>
+            <a:r>
+              <a:rPr lang="en-US" altLang="zh-CN" dirty="0"/>
+              <a:t>,</a:t>
+            </a:r>
+            <a:r>
+              <a:rPr lang="zh-CN" altLang="en-US" dirty="0" smtClean="0"/>
+              <a:t>减小因为输出日志而带来的性能损失</a:t>
+            </a:r>
+            <a:endParaRPr lang="en-US" altLang="zh-CN" dirty="0"/>
           </a:p>
           <a:p>
             <a:pPr marL="0" indent="0">
@@ -6434,6 +6460,22 @@
             <a:endParaRPr lang="en-US" altLang="zh-CN" dirty="0" smtClean="0"/>
           </a:p>
           <a:p>
+            <a:r>
+              <a:rPr lang="en-US" altLang="zh-CN" dirty="0" smtClean="0"/>
+              <a:t>2.</a:t>
+            </a:r>
+            <a:r>
+              <a:rPr lang="zh-CN" altLang="en-US" dirty="0" smtClean="0"/>
+              <a:t>日志以记录数据为准</a:t>
+            </a:r>
+            <a:r>
+              <a:rPr lang="en-US" altLang="zh-CN" dirty="0" smtClean="0"/>
+              <a:t>,</a:t>
+            </a:r>
+            <a:r>
+              <a:rPr lang="zh-CN" altLang="en-US" dirty="0" smtClean="0"/>
+              <a:t>对常用的一些数据增加了重载操作</a:t>
+            </a:r>
             <a:endParaRPr lang="zh-CN" altLang="en-US" dirty="0"/>
           </a:p>
         </p:txBody>
@@ -6485,7 +6527,87 @@
           <a:p>
             <a:r>
               <a:rPr lang="zh-CN" altLang="en-US" dirty="0" smtClean="0"/>
-              <a:t>日志宏的使用</a:t>
+              <a:t>日志的使用</a:t>
+            </a:r>
+            <a:r>
+              <a:rPr lang="en-US" altLang="zh-CN" dirty="0" smtClean="0"/>
+              <a:t>:</a:t>
+            </a:r>
+            <a:endParaRPr lang="zh-CN" altLang="en-US" dirty="0"/>
+          </a:p>
+        </p:txBody>
+      </p:sp>
+      <p:sp>
+        <p:nvSpPr>
+          <p:cNvPr id="3" name="内容占位符 2"/>
+          <p:cNvSpPr>
+            <a:spLocks noGrp="1"/>
+          </p:cNvSpPr>
+          <p:nvPr>
+            <p:ph idx="1"/>
+          </p:nvPr>
+        </p:nvSpPr>
+        <p:spPr/>
+        <p:txBody>
+          <a:bodyPr/>
+          <a:lstStyle/>
+          <a:p>
+            <a:endParaRPr lang="zh-CN" altLang="en-US" dirty="0"/>
+          </a:p>
+        </p:txBody>
+      </p:sp>
+    </p:spTree>
+    <p:extLst>
+      <p:ext uri="{BB962C8B-B14F-4D97-AF65-F5344CB8AC3E}">
+        <p14:creationId xmlns:p14="http://schemas.microsoft.com/office/powerpoint/2010/main" val="3730086543"/>
+      </p:ext>
+    </p:extLst>
+  </p:cSld>
+  <p:clrMapOvr>
+    <a:masterClrMapping/>
+  </p:clrMapOvr>
+</p:sld>
+</file>
+
+<file path=ppt/slides/slide6.xml><?xml version="1.0" encoding="utf-8"?>
+<p:sld xmlns:a="http://schemas.openxmlformats.org/drawingml/2006/main" xmlns:r="http://schemas.openxmlformats.org/officeDocument/2006/relationships" xmlns:p="http://schemas.openxmlformats.org/presentationml/2006/main">
+  <p:cSld>
+    <p:spTree>
+      <p:nvGrpSpPr>
+        <p:cNvPr id="1" name=""/>
+        <p:cNvGrpSpPr/>
+        <p:nvPr/>
+      </p:nvGrpSpPr>
+      <p:grpSpPr>
+        <a:xfrm>
+          <a:off x="0" y="0"/>
+          <a:ext cx="0" cy="0"/>
+          <a:chOff x="0" y="0"/>
+          <a:chExt cx="0" cy="0"/>
+        </a:xfrm>
+      </p:grpSpPr>
+      <p:sp>
+        <p:nvSpPr>
+          <p:cNvPr id="2" name="标题 1"/>
+          <p:cNvSpPr>
+            <a:spLocks noGrp="1"/>
+          </p:cNvSpPr>
+          <p:nvPr>
+            <p:ph type="title"/>
+          </p:nvPr>
+        </p:nvSpPr>
+        <p:spPr/>
+        <p:txBody>
+          <a:bodyPr/>
+          <a:lstStyle/>
+          <a:p>
+            <a:r>
+              <a:rPr lang="zh-CN" altLang="en-US" dirty="0" smtClean="0"/>
+              <a:t>宏</a:t>
+            </a:r>
+            <a:r>
+              <a:rPr lang="zh-CN" altLang="en-US" dirty="0" smtClean="0"/>
+              <a:t>的使用</a:t>
             </a:r>
             <a:r>
               <a:rPr lang="en-US" altLang="zh-CN" dirty="0" smtClean="0"/>
@@ -6527,7 +6649,7 @@
 </p:sld>
 </file>
 
-<file path=ppt/slides/slide6.xml><?xml version="1.0" encoding="utf-8"?>
+<file path=ppt/slides/slide7.xml><?xml version="1.0" encoding="utf-8"?>
 <p:sld xmlns:a="http://schemas.openxmlformats.org/drawingml/2006/main" xmlns:r="http://schemas.openxmlformats.org/officeDocument/2006/relationships" xmlns:p="http://schemas.openxmlformats.org/presentationml/2006/main">
   <p:cSld>
     <p:spTree>
